--- a/JupyterNotebooks/Mike/Images/Deaths by Age Groups.pptx
+++ b/JupyterNotebooks/Mike/Images/Deaths by Age Groups.pptx
@@ -5,12 +5,13 @@
     <p:sldMasterId id="2147483648" r:id="rId1"/>
   </p:sldMasterIdLst>
   <p:notesMasterIdLst>
-    <p:notesMasterId r:id="rId5"/>
+    <p:notesMasterId r:id="rId6"/>
   </p:notesMasterIdLst>
   <p:sldIdLst>
     <p:sldId id="256" r:id="rId2"/>
-    <p:sldId id="257" r:id="rId3"/>
-    <p:sldId id="258" r:id="rId4"/>
+    <p:sldId id="259" r:id="rId3"/>
+    <p:sldId id="257" r:id="rId4"/>
+    <p:sldId id="258" r:id="rId5"/>
   </p:sldIdLst>
   <p:sldSz cx="12192000" cy="6858000"/>
   <p:notesSz cx="6858000" cy="9144000"/>
@@ -3735,10 +3736,832 @@
   <p:clrMapOvr>
     <a:masterClrMapping/>
   </p:clrMapOvr>
+  <mc:AlternateContent xmlns:mc="http://schemas.openxmlformats.org/markup-compatibility/2006">
+    <mc:Choice xmlns:p14="http://schemas.microsoft.com/office/powerpoint/2010/main" Requires="p14">
+      <p:transition spd="med" p14:dur="700">
+        <p:fade/>
+      </p:transition>
+    </mc:Choice>
+    <mc:Fallback>
+      <p:transition spd="med">
+        <p:fade/>
+      </p:transition>
+    </mc:Fallback>
+  </mc:AlternateContent>
 </p:sld>
 </file>
 
 <file path=ppt/slides/slide2.xml><?xml version="1.0" encoding="utf-8"?>
+<p:sld xmlns:a="http://schemas.openxmlformats.org/drawingml/2006/main" xmlns:r="http://schemas.openxmlformats.org/officeDocument/2006/relationships" xmlns:p="http://schemas.openxmlformats.org/presentationml/2006/main">
+  <p:cSld>
+    <p:spTree>
+      <p:nvGrpSpPr>
+        <p:cNvPr id="1" name=""/>
+        <p:cNvGrpSpPr/>
+        <p:nvPr/>
+      </p:nvGrpSpPr>
+      <p:grpSpPr>
+        <a:xfrm>
+          <a:off x="0" y="0"/>
+          <a:ext cx="0" cy="0"/>
+          <a:chOff x="0" y="0"/>
+          <a:chExt cx="0" cy="0"/>
+        </a:xfrm>
+      </p:grpSpPr>
+      <p:sp>
+        <p:nvSpPr>
+          <p:cNvPr id="2" name="Title 1">
+            <a:extLst>
+              <a:ext uri="{FF2B5EF4-FFF2-40B4-BE49-F238E27FC236}">
+                <a16:creationId xmlns:a16="http://schemas.microsoft.com/office/drawing/2014/main" id="{E63E73D7-191C-9642-A83B-709090FDABE7}"/>
+              </a:ext>
+            </a:extLst>
+          </p:cNvPr>
+          <p:cNvSpPr>
+            <a:spLocks noGrp="1"/>
+          </p:cNvSpPr>
+          <p:nvPr>
+            <p:ph type="title"/>
+          </p:nvPr>
+        </p:nvSpPr>
+        <p:spPr/>
+        <p:txBody>
+          <a:bodyPr/>
+          <a:lstStyle/>
+          <a:p>
+            <a:r>
+              <a:rPr lang="en-US" dirty="0"/>
+              <a:t>Data Sources</a:t>
+            </a:r>
+          </a:p>
+        </p:txBody>
+      </p:sp>
+      <p:sp>
+        <p:nvSpPr>
+          <p:cNvPr id="3" name="Content Placeholder 2">
+            <a:extLst>
+              <a:ext uri="{FF2B5EF4-FFF2-40B4-BE49-F238E27FC236}">
+                <a16:creationId xmlns:a16="http://schemas.microsoft.com/office/drawing/2014/main" id="{DC973532-A799-8144-B34F-2000B7158D11}"/>
+              </a:ext>
+            </a:extLst>
+          </p:cNvPr>
+          <p:cNvSpPr>
+            <a:spLocks noGrp="1"/>
+          </p:cNvSpPr>
+          <p:nvPr>
+            <p:ph idx="1"/>
+          </p:nvPr>
+        </p:nvSpPr>
+        <p:spPr/>
+        <p:txBody>
+          <a:bodyPr/>
+          <a:lstStyle/>
+          <a:p>
+            <a:r>
+              <a:rPr lang="en-US" dirty="0">
+                <a:hlinkClick r:id="rId2"/>
+              </a:rPr>
+              <a:t>www.census.gov</a:t>
+            </a:r>
+            <a:r>
+              <a:rPr lang="en-US" dirty="0"/>
+              <a:t> (U.S. Census Bureau)</a:t>
+            </a:r>
+          </a:p>
+          <a:p>
+            <a:r>
+              <a:rPr lang="en-US" dirty="0">
+                <a:hlinkClick r:id="rId3"/>
+              </a:rPr>
+              <a:t>https://data.cdc.gov/NCHS/</a:t>
+            </a:r>
+            <a:r>
+              <a:rPr lang="en-US" dirty="0"/>
+              <a:t>(Center for Disease Control and Prevention)</a:t>
+            </a:r>
+          </a:p>
+          <a:p>
+            <a:r>
+              <a:rPr lang="en-US" dirty="0">
+                <a:hlinkClick r:id="rId4"/>
+              </a:rPr>
+              <a:t>https://pypi.org/project/uszipcode/</a:t>
+            </a:r>
+            <a:r>
+              <a:rPr lang="en-US" dirty="0"/>
+              <a:t>  &amp; (Used to convert Zip Codes from Census to County and State)  </a:t>
+            </a:r>
+          </a:p>
+          <a:p>
+            <a:r>
+              <a:rPr lang="en-US" dirty="0">
+                <a:hlinkClick r:id="rId5"/>
+              </a:rPr>
+              <a:t>https://pypi.org/project/us/</a:t>
+            </a:r>
+            <a:r>
+              <a:rPr lang="en-US" dirty="0"/>
+              <a:t> (Used to clean up junk state data from cases on cruise ships)</a:t>
+            </a:r>
+          </a:p>
+          <a:p>
+            <a:r>
+              <a:rPr lang="en-US" dirty="0">
+                <a:hlinkClick r:id="rId6"/>
+              </a:rPr>
+              <a:t>https://covid-api.com</a:t>
+            </a:r>
+            <a:r>
+              <a:rPr lang="en-US" dirty="0"/>
+              <a:t> &amp; </a:t>
+            </a:r>
+            <a:r>
+              <a:rPr lang="en-US" dirty="0">
+                <a:hlinkClick r:id="rId7"/>
+              </a:rPr>
+              <a:t>https://rapidapi.com/search/covid</a:t>
+            </a:r>
+            <a:endParaRPr lang="en-US" dirty="0"/>
+          </a:p>
+          <a:p>
+            <a:pPr marL="0" indent="0">
+              <a:buNone/>
+            </a:pPr>
+            <a:r>
+              <a:rPr lang="en-US" dirty="0"/>
+              <a:t>   (Based on public data by Johns Hopkins CSSE)</a:t>
+            </a:r>
+          </a:p>
+          <a:p>
+            <a:pPr marL="0" indent="0">
+              <a:buNone/>
+            </a:pPr>
+            <a:endParaRPr lang="en-US" dirty="0"/>
+          </a:p>
+          <a:p>
+            <a:pPr marL="0" indent="0">
+              <a:buNone/>
+            </a:pPr>
+            <a:endParaRPr lang="en-US" dirty="0"/>
+          </a:p>
+        </p:txBody>
+      </p:sp>
+    </p:spTree>
+    <p:extLst>
+      <p:ext uri="{BB962C8B-B14F-4D97-AF65-F5344CB8AC3E}">
+        <p14:creationId xmlns:p14="http://schemas.microsoft.com/office/powerpoint/2010/main" val="3927986393"/>
+      </p:ext>
+    </p:extLst>
+  </p:cSld>
+  <p:clrMapOvr>
+    <a:masterClrMapping/>
+  </p:clrMapOvr>
+  <mc:AlternateContent xmlns:mc="http://schemas.openxmlformats.org/markup-compatibility/2006">
+    <mc:Choice xmlns:p14="http://schemas.microsoft.com/office/powerpoint/2010/main" Requires="p14">
+      <p:transition spd="med" p14:dur="700">
+        <p:fade/>
+      </p:transition>
+    </mc:Choice>
+    <mc:Fallback>
+      <p:transition spd="med">
+        <p:fade/>
+      </p:transition>
+    </mc:Fallback>
+  </mc:AlternateContent>
+  <p:timing>
+    <p:tnLst>
+      <p:par>
+        <p:cTn id="1" dur="indefinite" restart="never" nodeType="tmRoot">
+          <p:childTnLst>
+            <p:seq concurrent="1" nextAc="seek">
+              <p:cTn id="2" dur="indefinite" nodeType="mainSeq">
+                <p:childTnLst>
+                  <p:par>
+                    <p:cTn id="3" fill="hold">
+                      <p:stCondLst>
+                        <p:cond delay="indefinite"/>
+                      </p:stCondLst>
+                      <p:childTnLst>
+                        <p:par>
+                          <p:cTn id="4" fill="hold">
+                            <p:stCondLst>
+                              <p:cond delay="0"/>
+                            </p:stCondLst>
+                            <p:childTnLst>
+                              <p:par>
+                                <p:cTn id="5" presetID="2" presetClass="entr" presetSubtype="8" fill="hold" nodeType="clickEffect">
+                                  <p:stCondLst>
+                                    <p:cond delay="0"/>
+                                  </p:stCondLst>
+                                  <p:childTnLst>
+                                    <p:set>
+                                      <p:cBhvr>
+                                        <p:cTn id="6" dur="1" fill="hold">
+                                          <p:stCondLst>
+                                            <p:cond delay="0"/>
+                                          </p:stCondLst>
+                                        </p:cTn>
+                                        <p:tgtEl>
+                                          <p:spTgt spid="3">
+                                            <p:txEl>
+                                              <p:pRg st="0" end="0"/>
+                                            </p:txEl>
+                                          </p:spTgt>
+                                        </p:tgtEl>
+                                        <p:attrNameLst>
+                                          <p:attrName>style.visibility</p:attrName>
+                                        </p:attrNameLst>
+                                      </p:cBhvr>
+                                      <p:to>
+                                        <p:strVal val="visible"/>
+                                      </p:to>
+                                    </p:set>
+                                    <p:anim calcmode="lin" valueType="num">
+                                      <p:cBhvr additive="base">
+                                        <p:cTn id="7" dur="500" fill="hold"/>
+                                        <p:tgtEl>
+                                          <p:spTgt spid="3">
+                                            <p:txEl>
+                                              <p:pRg st="0" end="0"/>
+                                            </p:txEl>
+                                          </p:spTgt>
+                                        </p:tgtEl>
+                                        <p:attrNameLst>
+                                          <p:attrName>ppt_x</p:attrName>
+                                        </p:attrNameLst>
+                                      </p:cBhvr>
+                                      <p:tavLst>
+                                        <p:tav tm="0">
+                                          <p:val>
+                                            <p:strVal val="0-#ppt_w/2"/>
+                                          </p:val>
+                                        </p:tav>
+                                        <p:tav tm="100000">
+                                          <p:val>
+                                            <p:strVal val="#ppt_x"/>
+                                          </p:val>
+                                        </p:tav>
+                                      </p:tavLst>
+                                    </p:anim>
+                                    <p:anim calcmode="lin" valueType="num">
+                                      <p:cBhvr additive="base">
+                                        <p:cTn id="8" dur="500" fill="hold"/>
+                                        <p:tgtEl>
+                                          <p:spTgt spid="3">
+                                            <p:txEl>
+                                              <p:pRg st="0" end="0"/>
+                                            </p:txEl>
+                                          </p:spTgt>
+                                        </p:tgtEl>
+                                        <p:attrNameLst>
+                                          <p:attrName>ppt_y</p:attrName>
+                                        </p:attrNameLst>
+                                      </p:cBhvr>
+                                      <p:tavLst>
+                                        <p:tav tm="0">
+                                          <p:val>
+                                            <p:strVal val="#ppt_y"/>
+                                          </p:val>
+                                        </p:tav>
+                                        <p:tav tm="100000">
+                                          <p:val>
+                                            <p:strVal val="#ppt_y"/>
+                                          </p:val>
+                                        </p:tav>
+                                      </p:tavLst>
+                                    </p:anim>
+                                  </p:childTnLst>
+                                </p:cTn>
+                              </p:par>
+                            </p:childTnLst>
+                          </p:cTn>
+                        </p:par>
+                      </p:childTnLst>
+                    </p:cTn>
+                  </p:par>
+                  <p:par>
+                    <p:cTn id="9" fill="hold">
+                      <p:stCondLst>
+                        <p:cond delay="indefinite"/>
+                      </p:stCondLst>
+                      <p:childTnLst>
+                        <p:par>
+                          <p:cTn id="10" fill="hold">
+                            <p:stCondLst>
+                              <p:cond delay="0"/>
+                            </p:stCondLst>
+                            <p:childTnLst>
+                              <p:par>
+                                <p:cTn id="11" presetID="2" presetClass="entr" presetSubtype="8" fill="hold" nodeType="clickEffect">
+                                  <p:stCondLst>
+                                    <p:cond delay="0"/>
+                                  </p:stCondLst>
+                                  <p:childTnLst>
+                                    <p:set>
+                                      <p:cBhvr>
+                                        <p:cTn id="12" dur="1" fill="hold">
+                                          <p:stCondLst>
+                                            <p:cond delay="0"/>
+                                          </p:stCondLst>
+                                        </p:cTn>
+                                        <p:tgtEl>
+                                          <p:spTgt spid="3">
+                                            <p:txEl>
+                                              <p:pRg st="1" end="1"/>
+                                            </p:txEl>
+                                          </p:spTgt>
+                                        </p:tgtEl>
+                                        <p:attrNameLst>
+                                          <p:attrName>style.visibility</p:attrName>
+                                        </p:attrNameLst>
+                                      </p:cBhvr>
+                                      <p:to>
+                                        <p:strVal val="visible"/>
+                                      </p:to>
+                                    </p:set>
+                                    <p:anim calcmode="lin" valueType="num">
+                                      <p:cBhvr additive="base">
+                                        <p:cTn id="13" dur="500" fill="hold"/>
+                                        <p:tgtEl>
+                                          <p:spTgt spid="3">
+                                            <p:txEl>
+                                              <p:pRg st="1" end="1"/>
+                                            </p:txEl>
+                                          </p:spTgt>
+                                        </p:tgtEl>
+                                        <p:attrNameLst>
+                                          <p:attrName>ppt_x</p:attrName>
+                                        </p:attrNameLst>
+                                      </p:cBhvr>
+                                      <p:tavLst>
+                                        <p:tav tm="0">
+                                          <p:val>
+                                            <p:strVal val="0-#ppt_w/2"/>
+                                          </p:val>
+                                        </p:tav>
+                                        <p:tav tm="100000">
+                                          <p:val>
+                                            <p:strVal val="#ppt_x"/>
+                                          </p:val>
+                                        </p:tav>
+                                      </p:tavLst>
+                                    </p:anim>
+                                    <p:anim calcmode="lin" valueType="num">
+                                      <p:cBhvr additive="base">
+                                        <p:cTn id="14" dur="500" fill="hold"/>
+                                        <p:tgtEl>
+                                          <p:spTgt spid="3">
+                                            <p:txEl>
+                                              <p:pRg st="1" end="1"/>
+                                            </p:txEl>
+                                          </p:spTgt>
+                                        </p:tgtEl>
+                                        <p:attrNameLst>
+                                          <p:attrName>ppt_y</p:attrName>
+                                        </p:attrNameLst>
+                                      </p:cBhvr>
+                                      <p:tavLst>
+                                        <p:tav tm="0">
+                                          <p:val>
+                                            <p:strVal val="#ppt_y"/>
+                                          </p:val>
+                                        </p:tav>
+                                        <p:tav tm="100000">
+                                          <p:val>
+                                            <p:strVal val="#ppt_y"/>
+                                          </p:val>
+                                        </p:tav>
+                                      </p:tavLst>
+                                    </p:anim>
+                                  </p:childTnLst>
+                                </p:cTn>
+                              </p:par>
+                            </p:childTnLst>
+                          </p:cTn>
+                        </p:par>
+                      </p:childTnLst>
+                    </p:cTn>
+                  </p:par>
+                  <p:par>
+                    <p:cTn id="15" fill="hold">
+                      <p:stCondLst>
+                        <p:cond delay="indefinite"/>
+                      </p:stCondLst>
+                      <p:childTnLst>
+                        <p:par>
+                          <p:cTn id="16" fill="hold">
+                            <p:stCondLst>
+                              <p:cond delay="0"/>
+                            </p:stCondLst>
+                            <p:childTnLst>
+                              <p:par>
+                                <p:cTn id="17" presetID="2" presetClass="entr" presetSubtype="8" fill="hold" nodeType="clickEffect">
+                                  <p:stCondLst>
+                                    <p:cond delay="0"/>
+                                  </p:stCondLst>
+                                  <p:childTnLst>
+                                    <p:set>
+                                      <p:cBhvr>
+                                        <p:cTn id="18" dur="1" fill="hold">
+                                          <p:stCondLst>
+                                            <p:cond delay="0"/>
+                                          </p:stCondLst>
+                                        </p:cTn>
+                                        <p:tgtEl>
+                                          <p:spTgt spid="3">
+                                            <p:txEl>
+                                              <p:pRg st="2" end="2"/>
+                                            </p:txEl>
+                                          </p:spTgt>
+                                        </p:tgtEl>
+                                        <p:attrNameLst>
+                                          <p:attrName>style.visibility</p:attrName>
+                                        </p:attrNameLst>
+                                      </p:cBhvr>
+                                      <p:to>
+                                        <p:strVal val="visible"/>
+                                      </p:to>
+                                    </p:set>
+                                    <p:anim calcmode="lin" valueType="num">
+                                      <p:cBhvr additive="base">
+                                        <p:cTn id="19" dur="500" fill="hold"/>
+                                        <p:tgtEl>
+                                          <p:spTgt spid="3">
+                                            <p:txEl>
+                                              <p:pRg st="2" end="2"/>
+                                            </p:txEl>
+                                          </p:spTgt>
+                                        </p:tgtEl>
+                                        <p:attrNameLst>
+                                          <p:attrName>ppt_x</p:attrName>
+                                        </p:attrNameLst>
+                                      </p:cBhvr>
+                                      <p:tavLst>
+                                        <p:tav tm="0">
+                                          <p:val>
+                                            <p:strVal val="0-#ppt_w/2"/>
+                                          </p:val>
+                                        </p:tav>
+                                        <p:tav tm="100000">
+                                          <p:val>
+                                            <p:strVal val="#ppt_x"/>
+                                          </p:val>
+                                        </p:tav>
+                                      </p:tavLst>
+                                    </p:anim>
+                                    <p:anim calcmode="lin" valueType="num">
+                                      <p:cBhvr additive="base">
+                                        <p:cTn id="20" dur="500" fill="hold"/>
+                                        <p:tgtEl>
+                                          <p:spTgt spid="3">
+                                            <p:txEl>
+                                              <p:pRg st="2" end="2"/>
+                                            </p:txEl>
+                                          </p:spTgt>
+                                        </p:tgtEl>
+                                        <p:attrNameLst>
+                                          <p:attrName>ppt_y</p:attrName>
+                                        </p:attrNameLst>
+                                      </p:cBhvr>
+                                      <p:tavLst>
+                                        <p:tav tm="0">
+                                          <p:val>
+                                            <p:strVal val="#ppt_y"/>
+                                          </p:val>
+                                        </p:tav>
+                                        <p:tav tm="100000">
+                                          <p:val>
+                                            <p:strVal val="#ppt_y"/>
+                                          </p:val>
+                                        </p:tav>
+                                      </p:tavLst>
+                                    </p:anim>
+                                  </p:childTnLst>
+                                </p:cTn>
+                              </p:par>
+                            </p:childTnLst>
+                          </p:cTn>
+                        </p:par>
+                      </p:childTnLst>
+                    </p:cTn>
+                  </p:par>
+                  <p:par>
+                    <p:cTn id="21" fill="hold">
+                      <p:stCondLst>
+                        <p:cond delay="indefinite"/>
+                      </p:stCondLst>
+                      <p:childTnLst>
+                        <p:par>
+                          <p:cTn id="22" fill="hold">
+                            <p:stCondLst>
+                              <p:cond delay="0"/>
+                            </p:stCondLst>
+                            <p:childTnLst>
+                              <p:par>
+                                <p:cTn id="23" presetID="2" presetClass="entr" presetSubtype="8" fill="hold" nodeType="clickEffect">
+                                  <p:stCondLst>
+                                    <p:cond delay="0"/>
+                                  </p:stCondLst>
+                                  <p:childTnLst>
+                                    <p:set>
+                                      <p:cBhvr>
+                                        <p:cTn id="24" dur="1" fill="hold">
+                                          <p:stCondLst>
+                                            <p:cond delay="0"/>
+                                          </p:stCondLst>
+                                        </p:cTn>
+                                        <p:tgtEl>
+                                          <p:spTgt spid="3">
+                                            <p:txEl>
+                                              <p:pRg st="3" end="3"/>
+                                            </p:txEl>
+                                          </p:spTgt>
+                                        </p:tgtEl>
+                                        <p:attrNameLst>
+                                          <p:attrName>style.visibility</p:attrName>
+                                        </p:attrNameLst>
+                                      </p:cBhvr>
+                                      <p:to>
+                                        <p:strVal val="visible"/>
+                                      </p:to>
+                                    </p:set>
+                                    <p:anim calcmode="lin" valueType="num">
+                                      <p:cBhvr additive="base">
+                                        <p:cTn id="25" dur="500" fill="hold"/>
+                                        <p:tgtEl>
+                                          <p:spTgt spid="3">
+                                            <p:txEl>
+                                              <p:pRg st="3" end="3"/>
+                                            </p:txEl>
+                                          </p:spTgt>
+                                        </p:tgtEl>
+                                        <p:attrNameLst>
+                                          <p:attrName>ppt_x</p:attrName>
+                                        </p:attrNameLst>
+                                      </p:cBhvr>
+                                      <p:tavLst>
+                                        <p:tav tm="0">
+                                          <p:val>
+                                            <p:strVal val="0-#ppt_w/2"/>
+                                          </p:val>
+                                        </p:tav>
+                                        <p:tav tm="100000">
+                                          <p:val>
+                                            <p:strVal val="#ppt_x"/>
+                                          </p:val>
+                                        </p:tav>
+                                      </p:tavLst>
+                                    </p:anim>
+                                    <p:anim calcmode="lin" valueType="num">
+                                      <p:cBhvr additive="base">
+                                        <p:cTn id="26" dur="500" fill="hold"/>
+                                        <p:tgtEl>
+                                          <p:spTgt spid="3">
+                                            <p:txEl>
+                                              <p:pRg st="3" end="3"/>
+                                            </p:txEl>
+                                          </p:spTgt>
+                                        </p:tgtEl>
+                                        <p:attrNameLst>
+                                          <p:attrName>ppt_y</p:attrName>
+                                        </p:attrNameLst>
+                                      </p:cBhvr>
+                                      <p:tavLst>
+                                        <p:tav tm="0">
+                                          <p:val>
+                                            <p:strVal val="#ppt_y"/>
+                                          </p:val>
+                                        </p:tav>
+                                        <p:tav tm="100000">
+                                          <p:val>
+                                            <p:strVal val="#ppt_y"/>
+                                          </p:val>
+                                        </p:tav>
+                                      </p:tavLst>
+                                    </p:anim>
+                                  </p:childTnLst>
+                                </p:cTn>
+                              </p:par>
+                            </p:childTnLst>
+                          </p:cTn>
+                        </p:par>
+                      </p:childTnLst>
+                    </p:cTn>
+                  </p:par>
+                  <p:par>
+                    <p:cTn id="27" fill="hold">
+                      <p:stCondLst>
+                        <p:cond delay="indefinite"/>
+                      </p:stCondLst>
+                      <p:childTnLst>
+                        <p:par>
+                          <p:cTn id="28" fill="hold">
+                            <p:stCondLst>
+                              <p:cond delay="0"/>
+                            </p:stCondLst>
+                            <p:childTnLst>
+                              <p:par>
+                                <p:cTn id="29" presetID="2" presetClass="entr" presetSubtype="8" fill="hold" nodeType="clickEffect">
+                                  <p:stCondLst>
+                                    <p:cond delay="0"/>
+                                  </p:stCondLst>
+                                  <p:childTnLst>
+                                    <p:set>
+                                      <p:cBhvr>
+                                        <p:cTn id="30" dur="1" fill="hold">
+                                          <p:stCondLst>
+                                            <p:cond delay="0"/>
+                                          </p:stCondLst>
+                                        </p:cTn>
+                                        <p:tgtEl>
+                                          <p:spTgt spid="3">
+                                            <p:txEl>
+                                              <p:pRg st="4" end="4"/>
+                                            </p:txEl>
+                                          </p:spTgt>
+                                        </p:tgtEl>
+                                        <p:attrNameLst>
+                                          <p:attrName>style.visibility</p:attrName>
+                                        </p:attrNameLst>
+                                      </p:cBhvr>
+                                      <p:to>
+                                        <p:strVal val="visible"/>
+                                      </p:to>
+                                    </p:set>
+                                    <p:anim calcmode="lin" valueType="num">
+                                      <p:cBhvr additive="base">
+                                        <p:cTn id="31" dur="500" fill="hold"/>
+                                        <p:tgtEl>
+                                          <p:spTgt spid="3">
+                                            <p:txEl>
+                                              <p:pRg st="4" end="4"/>
+                                            </p:txEl>
+                                          </p:spTgt>
+                                        </p:tgtEl>
+                                        <p:attrNameLst>
+                                          <p:attrName>ppt_x</p:attrName>
+                                        </p:attrNameLst>
+                                      </p:cBhvr>
+                                      <p:tavLst>
+                                        <p:tav tm="0">
+                                          <p:val>
+                                            <p:strVal val="0-#ppt_w/2"/>
+                                          </p:val>
+                                        </p:tav>
+                                        <p:tav tm="100000">
+                                          <p:val>
+                                            <p:strVal val="#ppt_x"/>
+                                          </p:val>
+                                        </p:tav>
+                                      </p:tavLst>
+                                    </p:anim>
+                                    <p:anim calcmode="lin" valueType="num">
+                                      <p:cBhvr additive="base">
+                                        <p:cTn id="32" dur="500" fill="hold"/>
+                                        <p:tgtEl>
+                                          <p:spTgt spid="3">
+                                            <p:txEl>
+                                              <p:pRg st="4" end="4"/>
+                                            </p:txEl>
+                                          </p:spTgt>
+                                        </p:tgtEl>
+                                        <p:attrNameLst>
+                                          <p:attrName>ppt_y</p:attrName>
+                                        </p:attrNameLst>
+                                      </p:cBhvr>
+                                      <p:tavLst>
+                                        <p:tav tm="0">
+                                          <p:val>
+                                            <p:strVal val="#ppt_y"/>
+                                          </p:val>
+                                        </p:tav>
+                                        <p:tav tm="100000">
+                                          <p:val>
+                                            <p:strVal val="#ppt_y"/>
+                                          </p:val>
+                                        </p:tav>
+                                      </p:tavLst>
+                                    </p:anim>
+                                  </p:childTnLst>
+                                </p:cTn>
+                              </p:par>
+                              <p:par>
+                                <p:cTn id="33" presetID="2" presetClass="entr" presetSubtype="8" fill="hold" nodeType="withEffect">
+                                  <p:stCondLst>
+                                    <p:cond delay="0"/>
+                                  </p:stCondLst>
+                                  <p:childTnLst>
+                                    <p:set>
+                                      <p:cBhvr>
+                                        <p:cTn id="34" dur="1" fill="hold">
+                                          <p:stCondLst>
+                                            <p:cond delay="0"/>
+                                          </p:stCondLst>
+                                        </p:cTn>
+                                        <p:tgtEl>
+                                          <p:spTgt spid="3">
+                                            <p:txEl>
+                                              <p:pRg st="5" end="5"/>
+                                            </p:txEl>
+                                          </p:spTgt>
+                                        </p:tgtEl>
+                                        <p:attrNameLst>
+                                          <p:attrName>style.visibility</p:attrName>
+                                        </p:attrNameLst>
+                                      </p:cBhvr>
+                                      <p:to>
+                                        <p:strVal val="visible"/>
+                                      </p:to>
+                                    </p:set>
+                                    <p:anim calcmode="lin" valueType="num">
+                                      <p:cBhvr additive="base">
+                                        <p:cTn id="35" dur="500" fill="hold"/>
+                                        <p:tgtEl>
+                                          <p:spTgt spid="3">
+                                            <p:txEl>
+                                              <p:pRg st="5" end="5"/>
+                                            </p:txEl>
+                                          </p:spTgt>
+                                        </p:tgtEl>
+                                        <p:attrNameLst>
+                                          <p:attrName>ppt_x</p:attrName>
+                                        </p:attrNameLst>
+                                      </p:cBhvr>
+                                      <p:tavLst>
+                                        <p:tav tm="0">
+                                          <p:val>
+                                            <p:strVal val="0-#ppt_w/2"/>
+                                          </p:val>
+                                        </p:tav>
+                                        <p:tav tm="100000">
+                                          <p:val>
+                                            <p:strVal val="#ppt_x"/>
+                                          </p:val>
+                                        </p:tav>
+                                      </p:tavLst>
+                                    </p:anim>
+                                    <p:anim calcmode="lin" valueType="num">
+                                      <p:cBhvr additive="base">
+                                        <p:cTn id="36" dur="500" fill="hold"/>
+                                        <p:tgtEl>
+                                          <p:spTgt spid="3">
+                                            <p:txEl>
+                                              <p:pRg st="5" end="5"/>
+                                            </p:txEl>
+                                          </p:spTgt>
+                                        </p:tgtEl>
+                                        <p:attrNameLst>
+                                          <p:attrName>ppt_y</p:attrName>
+                                        </p:attrNameLst>
+                                      </p:cBhvr>
+                                      <p:tavLst>
+                                        <p:tav tm="0">
+                                          <p:val>
+                                            <p:strVal val="#ppt_y"/>
+                                          </p:val>
+                                        </p:tav>
+                                        <p:tav tm="100000">
+                                          <p:val>
+                                            <p:strVal val="#ppt_y"/>
+                                          </p:val>
+                                        </p:tav>
+                                      </p:tavLst>
+                                    </p:anim>
+                                  </p:childTnLst>
+                                </p:cTn>
+                              </p:par>
+                            </p:childTnLst>
+                          </p:cTn>
+                        </p:par>
+                      </p:childTnLst>
+                    </p:cTn>
+                  </p:par>
+                </p:childTnLst>
+              </p:cTn>
+              <p:prevCondLst>
+                <p:cond evt="onPrev" delay="0">
+                  <p:tgtEl>
+                    <p:sldTgt/>
+                  </p:tgtEl>
+                </p:cond>
+              </p:prevCondLst>
+              <p:nextCondLst>
+                <p:cond evt="onNext" delay="0">
+                  <p:tgtEl>
+                    <p:sldTgt/>
+                  </p:tgtEl>
+                </p:cond>
+              </p:nextCondLst>
+            </p:seq>
+          </p:childTnLst>
+        </p:cTn>
+      </p:par>
+    </p:tnLst>
+  </p:timing>
+</p:sld>
+</file>
+
+<file path=ppt/slides/slide3.xml><?xml version="1.0" encoding="utf-8"?>
 <p:sld xmlns:a="http://schemas.openxmlformats.org/drawingml/2006/main" xmlns:r="http://schemas.openxmlformats.org/officeDocument/2006/relationships" xmlns:p="http://schemas.openxmlformats.org/presentationml/2006/main">
   <p:cSld>
     <p:spTree>
@@ -3893,10 +4716,22 @@
   <p:clrMapOvr>
     <a:masterClrMapping/>
   </p:clrMapOvr>
+  <mc:AlternateContent xmlns:mc="http://schemas.openxmlformats.org/markup-compatibility/2006">
+    <mc:Choice xmlns:p14="http://schemas.microsoft.com/office/powerpoint/2010/main" Requires="p14">
+      <p:transition spd="med" p14:dur="700">
+        <p:fade/>
+      </p:transition>
+    </mc:Choice>
+    <mc:Fallback>
+      <p:transition spd="med">
+        <p:fade/>
+      </p:transition>
+    </mc:Fallback>
+  </mc:AlternateContent>
 </p:sld>
 </file>
 
-<file path=ppt/slides/slide3.xml><?xml version="1.0" encoding="utf-8"?>
+<file path=ppt/slides/slide4.xml><?xml version="1.0" encoding="utf-8"?>
 <p:sld xmlns:a="http://schemas.openxmlformats.org/drawingml/2006/main" xmlns:r="http://schemas.openxmlformats.org/officeDocument/2006/relationships" xmlns:p="http://schemas.openxmlformats.org/presentationml/2006/main">
   <p:cSld>
     <p:spTree>
@@ -4135,6 +4970,18 @@
   <p:clrMapOvr>
     <a:masterClrMapping/>
   </p:clrMapOvr>
+  <mc:AlternateContent xmlns:mc="http://schemas.openxmlformats.org/markup-compatibility/2006">
+    <mc:Choice xmlns:p14="http://schemas.microsoft.com/office/powerpoint/2010/main" Requires="p14">
+      <p:transition spd="med" p14:dur="700">
+        <p:fade/>
+      </p:transition>
+    </mc:Choice>
+    <mc:Fallback>
+      <p:transition spd="med">
+        <p:fade/>
+      </p:transition>
+    </mc:Fallback>
+  </mc:AlternateContent>
 </p:sld>
 </file>
 
